--- a/ppt 16-9/0180.喜报欢乐佳音.pptx
+++ b/ppt 16-9/0180.喜报欢乐佳音.pptx
@@ -5,7 +5,7 @@
     <p:sldMasterId id="2147483648" r:id="rId1"/>
   </p:sldMasterIdLst>
   <p:sldIdLst>
-    <p:sldId id="2803" r:id="rId2"/>
+    <p:sldId id="3019" r:id="rId2"/>
   </p:sldIdLst>
   <p:sldSz cx="12192000" cy="6858000"/>
   <p:notesSz cx="6858000" cy="9144000"/>
@@ -129,7 +129,7 @@
           <p:cNvPr id="2" name="标题 1">
             <a:extLst>
               <a:ext uri="{FF2B5EF4-FFF2-40B4-BE49-F238E27FC236}">
-                <a16:creationId xmlns:a16="http://schemas.microsoft.com/office/drawing/2014/main" id="{715CFE98-AA09-1DF4-467C-21CDB1CBCE02}"/>
+                <a16:creationId xmlns:a16="http://schemas.microsoft.com/office/drawing/2014/main" id="{B9B27CAE-4C03-8483-9CA4-49BFBF68AC4C}"/>
               </a:ext>
             </a:extLst>
           </p:cNvPr>
@@ -166,7 +166,7 @@
           <p:cNvPr id="3" name="副标题 2">
             <a:extLst>
               <a:ext uri="{FF2B5EF4-FFF2-40B4-BE49-F238E27FC236}">
-                <a16:creationId xmlns:a16="http://schemas.microsoft.com/office/drawing/2014/main" id="{0865C91F-9A7A-A51D-5F64-A1260026132D}"/>
+                <a16:creationId xmlns:a16="http://schemas.microsoft.com/office/drawing/2014/main" id="{B612DE74-B00F-1A7B-91DD-44760DB70937}"/>
               </a:ext>
             </a:extLst>
           </p:cNvPr>
@@ -236,7 +236,7 @@
           <p:cNvPr id="4" name="日期占位符 3">
             <a:extLst>
               <a:ext uri="{FF2B5EF4-FFF2-40B4-BE49-F238E27FC236}">
-                <a16:creationId xmlns:a16="http://schemas.microsoft.com/office/drawing/2014/main" id="{0EEB1BA9-9BFB-BD7E-5D34-B32A0FAD65F1}"/>
+                <a16:creationId xmlns:a16="http://schemas.microsoft.com/office/drawing/2014/main" id="{EFF710EC-99A2-4674-6AEF-D8ADFB367FA6}"/>
               </a:ext>
             </a:extLst>
           </p:cNvPr>
@@ -252,7 +252,7 @@
           <a:bodyPr/>
           <a:lstStyle/>
           <a:p>
-            <a:fld id="{E85FEE02-BDF9-4E2A-8AAC-F68860A6A2BE}" type="datetimeFigureOut">
+            <a:fld id="{7FA21883-A288-4D8F-8C13-DD3C53756D03}" type="datetimeFigureOut">
               <a:rPr lang="zh-CN" altLang="en-US" smtClean="0"/>
               <a:t>2024/3/10</a:t>
             </a:fld>
@@ -265,7 +265,7 @@
           <p:cNvPr id="5" name="页脚占位符 4">
             <a:extLst>
               <a:ext uri="{FF2B5EF4-FFF2-40B4-BE49-F238E27FC236}">
-                <a16:creationId xmlns:a16="http://schemas.microsoft.com/office/drawing/2014/main" id="{AA8BBF89-A501-5319-8E0C-D9918BD5BBB9}"/>
+                <a16:creationId xmlns:a16="http://schemas.microsoft.com/office/drawing/2014/main" id="{BA228470-9C19-BFF2-60A9-A709838983B2}"/>
               </a:ext>
             </a:extLst>
           </p:cNvPr>
@@ -290,7 +290,7 @@
           <p:cNvPr id="6" name="灯片编号占位符 5">
             <a:extLst>
               <a:ext uri="{FF2B5EF4-FFF2-40B4-BE49-F238E27FC236}">
-                <a16:creationId xmlns:a16="http://schemas.microsoft.com/office/drawing/2014/main" id="{F76B4AA3-BB5E-8B7C-D39C-83C667395DE2}"/>
+                <a16:creationId xmlns:a16="http://schemas.microsoft.com/office/drawing/2014/main" id="{5EBACF80-B0A6-04C3-FB84-D08D200308DA}"/>
               </a:ext>
             </a:extLst>
           </p:cNvPr>
@@ -306,7 +306,7 @@
           <a:bodyPr/>
           <a:lstStyle/>
           <a:p>
-            <a:fld id="{B8C9184D-7597-4F0B-9114-06A1A39F47DE}" type="slidenum">
+            <a:fld id="{FBA84E80-C941-4517-B580-E5900B07AAB0}" type="slidenum">
               <a:rPr lang="zh-CN" altLang="en-US" smtClean="0"/>
               <a:t>‹#›</a:t>
             </a:fld>
@@ -317,7 +317,7 @@
     </p:spTree>
     <p:extLst>
       <p:ext uri="{BB962C8B-B14F-4D97-AF65-F5344CB8AC3E}">
-        <p14:creationId xmlns:p14="http://schemas.microsoft.com/office/powerpoint/2010/main" val="3600972906"/>
+        <p14:creationId xmlns:p14="http://schemas.microsoft.com/office/powerpoint/2010/main" val="1697855858"/>
       </p:ext>
     </p:extLst>
   </p:cSld>
@@ -349,7 +349,7 @@
           <p:cNvPr id="2" name="标题 1">
             <a:extLst>
               <a:ext uri="{FF2B5EF4-FFF2-40B4-BE49-F238E27FC236}">
-                <a16:creationId xmlns:a16="http://schemas.microsoft.com/office/drawing/2014/main" id="{16699432-9E54-F332-6B40-CBC0A65C5D2E}"/>
+                <a16:creationId xmlns:a16="http://schemas.microsoft.com/office/drawing/2014/main" id="{5449B949-06BD-8948-BD89-ACB6328818D8}"/>
               </a:ext>
             </a:extLst>
           </p:cNvPr>
@@ -377,7 +377,7 @@
           <p:cNvPr id="3" name="竖排文字占位符 2">
             <a:extLst>
               <a:ext uri="{FF2B5EF4-FFF2-40B4-BE49-F238E27FC236}">
-                <a16:creationId xmlns:a16="http://schemas.microsoft.com/office/drawing/2014/main" id="{2BFB916B-81A9-5C40-5A40-A402C44641EF}"/>
+                <a16:creationId xmlns:a16="http://schemas.microsoft.com/office/drawing/2014/main" id="{2490D17B-8C89-7C3F-6B23-E5D4D2847DAD}"/>
               </a:ext>
             </a:extLst>
           </p:cNvPr>
@@ -434,7 +434,7 @@
           <p:cNvPr id="4" name="日期占位符 3">
             <a:extLst>
               <a:ext uri="{FF2B5EF4-FFF2-40B4-BE49-F238E27FC236}">
-                <a16:creationId xmlns:a16="http://schemas.microsoft.com/office/drawing/2014/main" id="{8BCF2CA6-75E4-2A4B-D090-23F7161DF59C}"/>
+                <a16:creationId xmlns:a16="http://schemas.microsoft.com/office/drawing/2014/main" id="{C813FCE1-469C-E335-0C21-39CD1503725D}"/>
               </a:ext>
             </a:extLst>
           </p:cNvPr>
@@ -450,7 +450,7 @@
           <a:bodyPr/>
           <a:lstStyle/>
           <a:p>
-            <a:fld id="{E85FEE02-BDF9-4E2A-8AAC-F68860A6A2BE}" type="datetimeFigureOut">
+            <a:fld id="{7FA21883-A288-4D8F-8C13-DD3C53756D03}" type="datetimeFigureOut">
               <a:rPr lang="zh-CN" altLang="en-US" smtClean="0"/>
               <a:t>2024/3/10</a:t>
             </a:fld>
@@ -463,7 +463,7 @@
           <p:cNvPr id="5" name="页脚占位符 4">
             <a:extLst>
               <a:ext uri="{FF2B5EF4-FFF2-40B4-BE49-F238E27FC236}">
-                <a16:creationId xmlns:a16="http://schemas.microsoft.com/office/drawing/2014/main" id="{347C5C5F-7E60-A4FB-F381-5963BB1C7AE1}"/>
+                <a16:creationId xmlns:a16="http://schemas.microsoft.com/office/drawing/2014/main" id="{5FACB46C-E978-402B-ED27-9E18711E326C}"/>
               </a:ext>
             </a:extLst>
           </p:cNvPr>
@@ -488,7 +488,7 @@
           <p:cNvPr id="6" name="灯片编号占位符 5">
             <a:extLst>
               <a:ext uri="{FF2B5EF4-FFF2-40B4-BE49-F238E27FC236}">
-                <a16:creationId xmlns:a16="http://schemas.microsoft.com/office/drawing/2014/main" id="{4B1A2227-C172-1171-649C-E5C927FEAAE9}"/>
+                <a16:creationId xmlns:a16="http://schemas.microsoft.com/office/drawing/2014/main" id="{2D956E08-F97E-8CB0-750C-C8647CA77544}"/>
               </a:ext>
             </a:extLst>
           </p:cNvPr>
@@ -504,7 +504,7 @@
           <a:bodyPr/>
           <a:lstStyle/>
           <a:p>
-            <a:fld id="{B8C9184D-7597-4F0B-9114-06A1A39F47DE}" type="slidenum">
+            <a:fld id="{FBA84E80-C941-4517-B580-E5900B07AAB0}" type="slidenum">
               <a:rPr lang="zh-CN" altLang="en-US" smtClean="0"/>
               <a:t>‹#›</a:t>
             </a:fld>
@@ -515,7 +515,7 @@
     </p:spTree>
     <p:extLst>
       <p:ext uri="{BB962C8B-B14F-4D97-AF65-F5344CB8AC3E}">
-        <p14:creationId xmlns:p14="http://schemas.microsoft.com/office/powerpoint/2010/main" val="2945279458"/>
+        <p14:creationId xmlns:p14="http://schemas.microsoft.com/office/powerpoint/2010/main" val="2025618403"/>
       </p:ext>
     </p:extLst>
   </p:cSld>
@@ -547,7 +547,7 @@
           <p:cNvPr id="2" name="竖排标题 1">
             <a:extLst>
               <a:ext uri="{FF2B5EF4-FFF2-40B4-BE49-F238E27FC236}">
-                <a16:creationId xmlns:a16="http://schemas.microsoft.com/office/drawing/2014/main" id="{4136F301-02C0-B7F4-AE09-9EE28875E2FF}"/>
+                <a16:creationId xmlns:a16="http://schemas.microsoft.com/office/drawing/2014/main" id="{65C62717-7ED2-4969-0B94-D40767A1B818}"/>
               </a:ext>
             </a:extLst>
           </p:cNvPr>
@@ -580,7 +580,7 @@
           <p:cNvPr id="3" name="竖排文字占位符 2">
             <a:extLst>
               <a:ext uri="{FF2B5EF4-FFF2-40B4-BE49-F238E27FC236}">
-                <a16:creationId xmlns:a16="http://schemas.microsoft.com/office/drawing/2014/main" id="{A87286B0-36F3-FC87-60D5-32FAA8137700}"/>
+                <a16:creationId xmlns:a16="http://schemas.microsoft.com/office/drawing/2014/main" id="{681493FD-0751-AD5A-419F-F558ABB144AF}"/>
               </a:ext>
             </a:extLst>
           </p:cNvPr>
@@ -642,7 +642,7 @@
           <p:cNvPr id="4" name="日期占位符 3">
             <a:extLst>
               <a:ext uri="{FF2B5EF4-FFF2-40B4-BE49-F238E27FC236}">
-                <a16:creationId xmlns:a16="http://schemas.microsoft.com/office/drawing/2014/main" id="{C64E0437-F975-8FF3-9AD8-6A30E79C00C0}"/>
+                <a16:creationId xmlns:a16="http://schemas.microsoft.com/office/drawing/2014/main" id="{9C59CBBC-CB18-FAB8-AF1F-F4F8576E66EA}"/>
               </a:ext>
             </a:extLst>
           </p:cNvPr>
@@ -658,7 +658,7 @@
           <a:bodyPr/>
           <a:lstStyle/>
           <a:p>
-            <a:fld id="{E85FEE02-BDF9-4E2A-8AAC-F68860A6A2BE}" type="datetimeFigureOut">
+            <a:fld id="{7FA21883-A288-4D8F-8C13-DD3C53756D03}" type="datetimeFigureOut">
               <a:rPr lang="zh-CN" altLang="en-US" smtClean="0"/>
               <a:t>2024/3/10</a:t>
             </a:fld>
@@ -671,7 +671,7 @@
           <p:cNvPr id="5" name="页脚占位符 4">
             <a:extLst>
               <a:ext uri="{FF2B5EF4-FFF2-40B4-BE49-F238E27FC236}">
-                <a16:creationId xmlns:a16="http://schemas.microsoft.com/office/drawing/2014/main" id="{7FB5A84E-5005-0F43-E406-2BD435C588A4}"/>
+                <a16:creationId xmlns:a16="http://schemas.microsoft.com/office/drawing/2014/main" id="{C1B94AB6-8601-5D67-DAF1-CCBD166067E9}"/>
               </a:ext>
             </a:extLst>
           </p:cNvPr>
@@ -696,7 +696,7 @@
           <p:cNvPr id="6" name="灯片编号占位符 5">
             <a:extLst>
               <a:ext uri="{FF2B5EF4-FFF2-40B4-BE49-F238E27FC236}">
-                <a16:creationId xmlns:a16="http://schemas.microsoft.com/office/drawing/2014/main" id="{1E03190A-1C9B-2AE2-1EC6-2A44233806B2}"/>
+                <a16:creationId xmlns:a16="http://schemas.microsoft.com/office/drawing/2014/main" id="{2F34C255-9532-10BC-247D-C390FEF93298}"/>
               </a:ext>
             </a:extLst>
           </p:cNvPr>
@@ -712,7 +712,7 @@
           <a:bodyPr/>
           <a:lstStyle/>
           <a:p>
-            <a:fld id="{B8C9184D-7597-4F0B-9114-06A1A39F47DE}" type="slidenum">
+            <a:fld id="{FBA84E80-C941-4517-B580-E5900B07AAB0}" type="slidenum">
               <a:rPr lang="zh-CN" altLang="en-US" smtClean="0"/>
               <a:t>‹#›</a:t>
             </a:fld>
@@ -723,7 +723,7 @@
     </p:spTree>
     <p:extLst>
       <p:ext uri="{BB962C8B-B14F-4D97-AF65-F5344CB8AC3E}">
-        <p14:creationId xmlns:p14="http://schemas.microsoft.com/office/powerpoint/2010/main" val="910267001"/>
+        <p14:creationId xmlns:p14="http://schemas.microsoft.com/office/powerpoint/2010/main" val="707401617"/>
       </p:ext>
     </p:extLst>
   </p:cSld>
@@ -755,7 +755,7 @@
           <p:cNvPr id="2" name="标题 1">
             <a:extLst>
               <a:ext uri="{FF2B5EF4-FFF2-40B4-BE49-F238E27FC236}">
-                <a16:creationId xmlns:a16="http://schemas.microsoft.com/office/drawing/2014/main" id="{5F3025B6-2FC5-5691-766B-C24CEE16E068}"/>
+                <a16:creationId xmlns:a16="http://schemas.microsoft.com/office/drawing/2014/main" id="{C0703031-B378-1B4F-295C-4A419ACD7727}"/>
               </a:ext>
             </a:extLst>
           </p:cNvPr>
@@ -783,7 +783,7 @@
           <p:cNvPr id="3" name="内容占位符 2">
             <a:extLst>
               <a:ext uri="{FF2B5EF4-FFF2-40B4-BE49-F238E27FC236}">
-                <a16:creationId xmlns:a16="http://schemas.microsoft.com/office/drawing/2014/main" id="{75668C37-C134-8188-D258-806D7CA2F103}"/>
+                <a16:creationId xmlns:a16="http://schemas.microsoft.com/office/drawing/2014/main" id="{91A72D3A-4F04-5A17-1341-7641EB6ED648}"/>
               </a:ext>
             </a:extLst>
           </p:cNvPr>
@@ -840,7 +840,7 @@
           <p:cNvPr id="4" name="日期占位符 3">
             <a:extLst>
               <a:ext uri="{FF2B5EF4-FFF2-40B4-BE49-F238E27FC236}">
-                <a16:creationId xmlns:a16="http://schemas.microsoft.com/office/drawing/2014/main" id="{9A0B650D-5B79-B282-5EB4-3BD5C1C2343C}"/>
+                <a16:creationId xmlns:a16="http://schemas.microsoft.com/office/drawing/2014/main" id="{F435120B-EE9B-E32C-B76C-3D91992E8035}"/>
               </a:ext>
             </a:extLst>
           </p:cNvPr>
@@ -856,7 +856,7 @@
           <a:bodyPr/>
           <a:lstStyle/>
           <a:p>
-            <a:fld id="{E85FEE02-BDF9-4E2A-8AAC-F68860A6A2BE}" type="datetimeFigureOut">
+            <a:fld id="{7FA21883-A288-4D8F-8C13-DD3C53756D03}" type="datetimeFigureOut">
               <a:rPr lang="zh-CN" altLang="en-US" smtClean="0"/>
               <a:t>2024/3/10</a:t>
             </a:fld>
@@ -869,7 +869,7 @@
           <p:cNvPr id="5" name="页脚占位符 4">
             <a:extLst>
               <a:ext uri="{FF2B5EF4-FFF2-40B4-BE49-F238E27FC236}">
-                <a16:creationId xmlns:a16="http://schemas.microsoft.com/office/drawing/2014/main" id="{930F7603-EE80-D618-CC67-2104EE603E96}"/>
+                <a16:creationId xmlns:a16="http://schemas.microsoft.com/office/drawing/2014/main" id="{F96B1D81-CFFF-FE75-46A4-93944A18F340}"/>
               </a:ext>
             </a:extLst>
           </p:cNvPr>
@@ -894,7 +894,7 @@
           <p:cNvPr id="6" name="灯片编号占位符 5">
             <a:extLst>
               <a:ext uri="{FF2B5EF4-FFF2-40B4-BE49-F238E27FC236}">
-                <a16:creationId xmlns:a16="http://schemas.microsoft.com/office/drawing/2014/main" id="{78ED9EDF-AF6A-23CA-E7A4-A761BCA8D32C}"/>
+                <a16:creationId xmlns:a16="http://schemas.microsoft.com/office/drawing/2014/main" id="{D6209F73-21EF-05D5-6014-87FDC3E56E63}"/>
               </a:ext>
             </a:extLst>
           </p:cNvPr>
@@ -910,7 +910,7 @@
           <a:bodyPr/>
           <a:lstStyle/>
           <a:p>
-            <a:fld id="{B8C9184D-7597-4F0B-9114-06A1A39F47DE}" type="slidenum">
+            <a:fld id="{FBA84E80-C941-4517-B580-E5900B07AAB0}" type="slidenum">
               <a:rPr lang="zh-CN" altLang="en-US" smtClean="0"/>
               <a:t>‹#›</a:t>
             </a:fld>
@@ -921,7 +921,7 @@
     </p:spTree>
     <p:extLst>
       <p:ext uri="{BB962C8B-B14F-4D97-AF65-F5344CB8AC3E}">
-        <p14:creationId xmlns:p14="http://schemas.microsoft.com/office/powerpoint/2010/main" val="2319003581"/>
+        <p14:creationId xmlns:p14="http://schemas.microsoft.com/office/powerpoint/2010/main" val="1112663154"/>
       </p:ext>
     </p:extLst>
   </p:cSld>
@@ -953,7 +953,7 @@
           <p:cNvPr id="2" name="标题 1">
             <a:extLst>
               <a:ext uri="{FF2B5EF4-FFF2-40B4-BE49-F238E27FC236}">
-                <a16:creationId xmlns:a16="http://schemas.microsoft.com/office/drawing/2014/main" id="{5F851093-D1FE-4FB7-86E9-73AD0E3A3038}"/>
+                <a16:creationId xmlns:a16="http://schemas.microsoft.com/office/drawing/2014/main" id="{A1C69F2D-1EF3-F311-3B08-AF03E8692796}"/>
               </a:ext>
             </a:extLst>
           </p:cNvPr>
@@ -990,7 +990,7 @@
           <p:cNvPr id="3" name="文本占位符 2">
             <a:extLst>
               <a:ext uri="{FF2B5EF4-FFF2-40B4-BE49-F238E27FC236}">
-                <a16:creationId xmlns:a16="http://schemas.microsoft.com/office/drawing/2014/main" id="{F8BA6FC4-DDC8-7873-363B-B64833B79876}"/>
+                <a16:creationId xmlns:a16="http://schemas.microsoft.com/office/drawing/2014/main" id="{C2E9D19C-DA8C-B432-EB0C-F2F2A11D7574}"/>
               </a:ext>
             </a:extLst>
           </p:cNvPr>
@@ -1115,7 +1115,7 @@
           <p:cNvPr id="4" name="日期占位符 3">
             <a:extLst>
               <a:ext uri="{FF2B5EF4-FFF2-40B4-BE49-F238E27FC236}">
-                <a16:creationId xmlns:a16="http://schemas.microsoft.com/office/drawing/2014/main" id="{285D5E4B-56F3-8C70-68B9-5F7ABF9C0EF3}"/>
+                <a16:creationId xmlns:a16="http://schemas.microsoft.com/office/drawing/2014/main" id="{B8E2BFE3-2672-A429-EC85-FF3BDA66DE83}"/>
               </a:ext>
             </a:extLst>
           </p:cNvPr>
@@ -1131,7 +1131,7 @@
           <a:bodyPr/>
           <a:lstStyle/>
           <a:p>
-            <a:fld id="{E85FEE02-BDF9-4E2A-8AAC-F68860A6A2BE}" type="datetimeFigureOut">
+            <a:fld id="{7FA21883-A288-4D8F-8C13-DD3C53756D03}" type="datetimeFigureOut">
               <a:rPr lang="zh-CN" altLang="en-US" smtClean="0"/>
               <a:t>2024/3/10</a:t>
             </a:fld>
@@ -1144,7 +1144,7 @@
           <p:cNvPr id="5" name="页脚占位符 4">
             <a:extLst>
               <a:ext uri="{FF2B5EF4-FFF2-40B4-BE49-F238E27FC236}">
-                <a16:creationId xmlns:a16="http://schemas.microsoft.com/office/drawing/2014/main" id="{47E5F66E-6340-CDE1-DEC4-F245FB483F13}"/>
+                <a16:creationId xmlns:a16="http://schemas.microsoft.com/office/drawing/2014/main" id="{E973D9EC-F828-A1DA-692E-6C06A3C5B1F0}"/>
               </a:ext>
             </a:extLst>
           </p:cNvPr>
@@ -1169,7 +1169,7 @@
           <p:cNvPr id="6" name="灯片编号占位符 5">
             <a:extLst>
               <a:ext uri="{FF2B5EF4-FFF2-40B4-BE49-F238E27FC236}">
-                <a16:creationId xmlns:a16="http://schemas.microsoft.com/office/drawing/2014/main" id="{C627792A-6E57-B0A5-B902-A6DB5AADA3E0}"/>
+                <a16:creationId xmlns:a16="http://schemas.microsoft.com/office/drawing/2014/main" id="{C71CDF27-43B4-811D-6754-AC9D7A6C741E}"/>
               </a:ext>
             </a:extLst>
           </p:cNvPr>
@@ -1185,7 +1185,7 @@
           <a:bodyPr/>
           <a:lstStyle/>
           <a:p>
-            <a:fld id="{B8C9184D-7597-4F0B-9114-06A1A39F47DE}" type="slidenum">
+            <a:fld id="{FBA84E80-C941-4517-B580-E5900B07AAB0}" type="slidenum">
               <a:rPr lang="zh-CN" altLang="en-US" smtClean="0"/>
               <a:t>‹#›</a:t>
             </a:fld>
@@ -1196,7 +1196,7 @@
     </p:spTree>
     <p:extLst>
       <p:ext uri="{BB962C8B-B14F-4D97-AF65-F5344CB8AC3E}">
-        <p14:creationId xmlns:p14="http://schemas.microsoft.com/office/powerpoint/2010/main" val="645324639"/>
+        <p14:creationId xmlns:p14="http://schemas.microsoft.com/office/powerpoint/2010/main" val="2392250928"/>
       </p:ext>
     </p:extLst>
   </p:cSld>
@@ -1228,7 +1228,7 @@
           <p:cNvPr id="2" name="标题 1">
             <a:extLst>
               <a:ext uri="{FF2B5EF4-FFF2-40B4-BE49-F238E27FC236}">
-                <a16:creationId xmlns:a16="http://schemas.microsoft.com/office/drawing/2014/main" id="{2450DA4D-4B1C-5F8D-C9AF-AB57A11390D5}"/>
+                <a16:creationId xmlns:a16="http://schemas.microsoft.com/office/drawing/2014/main" id="{0E141C35-9FB5-76F8-ABF0-A3F6309AC611}"/>
               </a:ext>
             </a:extLst>
           </p:cNvPr>
@@ -1256,7 +1256,7 @@
           <p:cNvPr id="3" name="内容占位符 2">
             <a:extLst>
               <a:ext uri="{FF2B5EF4-FFF2-40B4-BE49-F238E27FC236}">
-                <a16:creationId xmlns:a16="http://schemas.microsoft.com/office/drawing/2014/main" id="{4950750B-194C-E98D-F4D6-4FE810ACBAFC}"/>
+                <a16:creationId xmlns:a16="http://schemas.microsoft.com/office/drawing/2014/main" id="{3418C777-2154-9ADD-B06B-AB9F02E67F1C}"/>
               </a:ext>
             </a:extLst>
           </p:cNvPr>
@@ -1318,7 +1318,7 @@
           <p:cNvPr id="4" name="内容占位符 3">
             <a:extLst>
               <a:ext uri="{FF2B5EF4-FFF2-40B4-BE49-F238E27FC236}">
-                <a16:creationId xmlns:a16="http://schemas.microsoft.com/office/drawing/2014/main" id="{FFDCECC2-C045-6011-7810-866DF75E6240}"/>
+                <a16:creationId xmlns:a16="http://schemas.microsoft.com/office/drawing/2014/main" id="{A07B9626-03C3-9BB5-F843-69CF109CDF72}"/>
               </a:ext>
             </a:extLst>
           </p:cNvPr>
@@ -1380,7 +1380,7 @@
           <p:cNvPr id="5" name="日期占位符 4">
             <a:extLst>
               <a:ext uri="{FF2B5EF4-FFF2-40B4-BE49-F238E27FC236}">
-                <a16:creationId xmlns:a16="http://schemas.microsoft.com/office/drawing/2014/main" id="{D8E9B260-D050-A341-FBB8-DC85DA3812CD}"/>
+                <a16:creationId xmlns:a16="http://schemas.microsoft.com/office/drawing/2014/main" id="{9CC62A54-4F22-1535-ACEF-2BDEABA6475C}"/>
               </a:ext>
             </a:extLst>
           </p:cNvPr>
@@ -1396,7 +1396,7 @@
           <a:bodyPr/>
           <a:lstStyle/>
           <a:p>
-            <a:fld id="{E85FEE02-BDF9-4E2A-8AAC-F68860A6A2BE}" type="datetimeFigureOut">
+            <a:fld id="{7FA21883-A288-4D8F-8C13-DD3C53756D03}" type="datetimeFigureOut">
               <a:rPr lang="zh-CN" altLang="en-US" smtClean="0"/>
               <a:t>2024/3/10</a:t>
             </a:fld>
@@ -1409,7 +1409,7 @@
           <p:cNvPr id="6" name="页脚占位符 5">
             <a:extLst>
               <a:ext uri="{FF2B5EF4-FFF2-40B4-BE49-F238E27FC236}">
-                <a16:creationId xmlns:a16="http://schemas.microsoft.com/office/drawing/2014/main" id="{5DDFAAF0-F711-892C-6DFE-5133863470B4}"/>
+                <a16:creationId xmlns:a16="http://schemas.microsoft.com/office/drawing/2014/main" id="{D11D4759-2EA7-C789-3CA6-C8D2676CEDCF}"/>
               </a:ext>
             </a:extLst>
           </p:cNvPr>
@@ -1434,7 +1434,7 @@
           <p:cNvPr id="7" name="灯片编号占位符 6">
             <a:extLst>
               <a:ext uri="{FF2B5EF4-FFF2-40B4-BE49-F238E27FC236}">
-                <a16:creationId xmlns:a16="http://schemas.microsoft.com/office/drawing/2014/main" id="{768C54D9-65D5-0455-C0DC-44A3B4638036}"/>
+                <a16:creationId xmlns:a16="http://schemas.microsoft.com/office/drawing/2014/main" id="{3D5E6DE0-8F9D-7351-DD09-68F00C804D77}"/>
               </a:ext>
             </a:extLst>
           </p:cNvPr>
@@ -1450,7 +1450,7 @@
           <a:bodyPr/>
           <a:lstStyle/>
           <a:p>
-            <a:fld id="{B8C9184D-7597-4F0B-9114-06A1A39F47DE}" type="slidenum">
+            <a:fld id="{FBA84E80-C941-4517-B580-E5900B07AAB0}" type="slidenum">
               <a:rPr lang="zh-CN" altLang="en-US" smtClean="0"/>
               <a:t>‹#›</a:t>
             </a:fld>
@@ -1461,7 +1461,7 @@
     </p:spTree>
     <p:extLst>
       <p:ext uri="{BB962C8B-B14F-4D97-AF65-F5344CB8AC3E}">
-        <p14:creationId xmlns:p14="http://schemas.microsoft.com/office/powerpoint/2010/main" val="3712287868"/>
+        <p14:creationId xmlns:p14="http://schemas.microsoft.com/office/powerpoint/2010/main" val="3214711991"/>
       </p:ext>
     </p:extLst>
   </p:cSld>
@@ -1493,7 +1493,7 @@
           <p:cNvPr id="2" name="标题 1">
             <a:extLst>
               <a:ext uri="{FF2B5EF4-FFF2-40B4-BE49-F238E27FC236}">
-                <a16:creationId xmlns:a16="http://schemas.microsoft.com/office/drawing/2014/main" id="{7E826474-9D8F-69DC-0985-AFDE51BA2099}"/>
+                <a16:creationId xmlns:a16="http://schemas.microsoft.com/office/drawing/2014/main" id="{FC012CDF-0A04-C69B-0867-4C43575487AD}"/>
               </a:ext>
             </a:extLst>
           </p:cNvPr>
@@ -1526,7 +1526,7 @@
           <p:cNvPr id="3" name="文本占位符 2">
             <a:extLst>
               <a:ext uri="{FF2B5EF4-FFF2-40B4-BE49-F238E27FC236}">
-                <a16:creationId xmlns:a16="http://schemas.microsoft.com/office/drawing/2014/main" id="{C396823C-CFF2-8A69-3BF8-2FA7063B6463}"/>
+                <a16:creationId xmlns:a16="http://schemas.microsoft.com/office/drawing/2014/main" id="{CA9DA03E-F65D-2B1A-CEF6-19D2EA53AA6C}"/>
               </a:ext>
             </a:extLst>
           </p:cNvPr>
@@ -1597,7 +1597,7 @@
           <p:cNvPr id="4" name="内容占位符 3">
             <a:extLst>
               <a:ext uri="{FF2B5EF4-FFF2-40B4-BE49-F238E27FC236}">
-                <a16:creationId xmlns:a16="http://schemas.microsoft.com/office/drawing/2014/main" id="{E15BD58B-433E-FCC0-DE01-2FCC4A24F0C1}"/>
+                <a16:creationId xmlns:a16="http://schemas.microsoft.com/office/drawing/2014/main" id="{748CAA06-E22E-1557-E846-7F103C55BB02}"/>
               </a:ext>
             </a:extLst>
           </p:cNvPr>
@@ -1659,7 +1659,7 @@
           <p:cNvPr id="5" name="文本占位符 4">
             <a:extLst>
               <a:ext uri="{FF2B5EF4-FFF2-40B4-BE49-F238E27FC236}">
-                <a16:creationId xmlns:a16="http://schemas.microsoft.com/office/drawing/2014/main" id="{10785BB9-771E-B754-BF30-0B18B912B570}"/>
+                <a16:creationId xmlns:a16="http://schemas.microsoft.com/office/drawing/2014/main" id="{1E44658A-F291-639A-3AC5-EA225FA8AC9D}"/>
               </a:ext>
             </a:extLst>
           </p:cNvPr>
@@ -1730,7 +1730,7 @@
           <p:cNvPr id="6" name="内容占位符 5">
             <a:extLst>
               <a:ext uri="{FF2B5EF4-FFF2-40B4-BE49-F238E27FC236}">
-                <a16:creationId xmlns:a16="http://schemas.microsoft.com/office/drawing/2014/main" id="{32E8EE0F-7291-8AB6-7588-9EA7C3161679}"/>
+                <a16:creationId xmlns:a16="http://schemas.microsoft.com/office/drawing/2014/main" id="{5BBCAFA2-6DE0-F7DE-E939-8B11529DC0F2}"/>
               </a:ext>
             </a:extLst>
           </p:cNvPr>
@@ -1792,7 +1792,7 @@
           <p:cNvPr id="7" name="日期占位符 6">
             <a:extLst>
               <a:ext uri="{FF2B5EF4-FFF2-40B4-BE49-F238E27FC236}">
-                <a16:creationId xmlns:a16="http://schemas.microsoft.com/office/drawing/2014/main" id="{7A2AD787-E3EB-B418-BE8F-5BED09B24A2E}"/>
+                <a16:creationId xmlns:a16="http://schemas.microsoft.com/office/drawing/2014/main" id="{3870E187-FA7C-1D44-B5ED-417A99ECC87F}"/>
               </a:ext>
             </a:extLst>
           </p:cNvPr>
@@ -1808,7 +1808,7 @@
           <a:bodyPr/>
           <a:lstStyle/>
           <a:p>
-            <a:fld id="{E85FEE02-BDF9-4E2A-8AAC-F68860A6A2BE}" type="datetimeFigureOut">
+            <a:fld id="{7FA21883-A288-4D8F-8C13-DD3C53756D03}" type="datetimeFigureOut">
               <a:rPr lang="zh-CN" altLang="en-US" smtClean="0"/>
               <a:t>2024/3/10</a:t>
             </a:fld>
@@ -1821,7 +1821,7 @@
           <p:cNvPr id="8" name="页脚占位符 7">
             <a:extLst>
               <a:ext uri="{FF2B5EF4-FFF2-40B4-BE49-F238E27FC236}">
-                <a16:creationId xmlns:a16="http://schemas.microsoft.com/office/drawing/2014/main" id="{14F33326-9626-5BA4-40E4-F69117926F32}"/>
+                <a16:creationId xmlns:a16="http://schemas.microsoft.com/office/drawing/2014/main" id="{CE4F18EC-2B55-E630-4A69-81B2E1751710}"/>
               </a:ext>
             </a:extLst>
           </p:cNvPr>
@@ -1846,7 +1846,7 @@
           <p:cNvPr id="9" name="灯片编号占位符 8">
             <a:extLst>
               <a:ext uri="{FF2B5EF4-FFF2-40B4-BE49-F238E27FC236}">
-                <a16:creationId xmlns:a16="http://schemas.microsoft.com/office/drawing/2014/main" id="{4DAB3629-552C-3E4B-3DFE-4C0B8ECC97DB}"/>
+                <a16:creationId xmlns:a16="http://schemas.microsoft.com/office/drawing/2014/main" id="{17A1C41E-2A0F-4CF1-BE14-1BAF51B1D677}"/>
               </a:ext>
             </a:extLst>
           </p:cNvPr>
@@ -1862,7 +1862,7 @@
           <a:bodyPr/>
           <a:lstStyle/>
           <a:p>
-            <a:fld id="{B8C9184D-7597-4F0B-9114-06A1A39F47DE}" type="slidenum">
+            <a:fld id="{FBA84E80-C941-4517-B580-E5900B07AAB0}" type="slidenum">
               <a:rPr lang="zh-CN" altLang="en-US" smtClean="0"/>
               <a:t>‹#›</a:t>
             </a:fld>
@@ -1873,7 +1873,7 @@
     </p:spTree>
     <p:extLst>
       <p:ext uri="{BB962C8B-B14F-4D97-AF65-F5344CB8AC3E}">
-        <p14:creationId xmlns:p14="http://schemas.microsoft.com/office/powerpoint/2010/main" val="1628323748"/>
+        <p14:creationId xmlns:p14="http://schemas.microsoft.com/office/powerpoint/2010/main" val="1292828373"/>
       </p:ext>
     </p:extLst>
   </p:cSld>
@@ -1905,7 +1905,7 @@
           <p:cNvPr id="2" name="标题 1">
             <a:extLst>
               <a:ext uri="{FF2B5EF4-FFF2-40B4-BE49-F238E27FC236}">
-                <a16:creationId xmlns:a16="http://schemas.microsoft.com/office/drawing/2014/main" id="{851EFA5D-88F1-BABE-7BCD-B990CA8F5491}"/>
+                <a16:creationId xmlns:a16="http://schemas.microsoft.com/office/drawing/2014/main" id="{8636FD59-7D1F-BE3A-546D-ACEF4273C1B4}"/>
               </a:ext>
             </a:extLst>
           </p:cNvPr>
@@ -1933,7 +1933,7 @@
           <p:cNvPr id="3" name="日期占位符 2">
             <a:extLst>
               <a:ext uri="{FF2B5EF4-FFF2-40B4-BE49-F238E27FC236}">
-                <a16:creationId xmlns:a16="http://schemas.microsoft.com/office/drawing/2014/main" id="{B220B282-5287-162E-14E7-35A1D55030B0}"/>
+                <a16:creationId xmlns:a16="http://schemas.microsoft.com/office/drawing/2014/main" id="{AF4DA2AB-9683-5A2B-7BAF-4326393D3C14}"/>
               </a:ext>
             </a:extLst>
           </p:cNvPr>
@@ -1949,7 +1949,7 @@
           <a:bodyPr/>
           <a:lstStyle/>
           <a:p>
-            <a:fld id="{E85FEE02-BDF9-4E2A-8AAC-F68860A6A2BE}" type="datetimeFigureOut">
+            <a:fld id="{7FA21883-A288-4D8F-8C13-DD3C53756D03}" type="datetimeFigureOut">
               <a:rPr lang="zh-CN" altLang="en-US" smtClean="0"/>
               <a:t>2024/3/10</a:t>
             </a:fld>
@@ -1962,7 +1962,7 @@
           <p:cNvPr id="4" name="页脚占位符 3">
             <a:extLst>
               <a:ext uri="{FF2B5EF4-FFF2-40B4-BE49-F238E27FC236}">
-                <a16:creationId xmlns:a16="http://schemas.microsoft.com/office/drawing/2014/main" id="{04920C79-F4BE-E4BB-9ED9-5B5605B45828}"/>
+                <a16:creationId xmlns:a16="http://schemas.microsoft.com/office/drawing/2014/main" id="{10B7D3F0-A5A3-793F-8DE6-12A5CD5F4EEE}"/>
               </a:ext>
             </a:extLst>
           </p:cNvPr>
@@ -1987,7 +1987,7 @@
           <p:cNvPr id="5" name="灯片编号占位符 4">
             <a:extLst>
               <a:ext uri="{FF2B5EF4-FFF2-40B4-BE49-F238E27FC236}">
-                <a16:creationId xmlns:a16="http://schemas.microsoft.com/office/drawing/2014/main" id="{B26230F4-AFE8-B72A-D2B1-24B3F80349B3}"/>
+                <a16:creationId xmlns:a16="http://schemas.microsoft.com/office/drawing/2014/main" id="{4638C08A-8BDA-992B-6E86-0F3FD53787A1}"/>
               </a:ext>
             </a:extLst>
           </p:cNvPr>
@@ -2003,7 +2003,7 @@
           <a:bodyPr/>
           <a:lstStyle/>
           <a:p>
-            <a:fld id="{B8C9184D-7597-4F0B-9114-06A1A39F47DE}" type="slidenum">
+            <a:fld id="{FBA84E80-C941-4517-B580-E5900B07AAB0}" type="slidenum">
               <a:rPr lang="zh-CN" altLang="en-US" smtClean="0"/>
               <a:t>‹#›</a:t>
             </a:fld>
@@ -2014,7 +2014,7 @@
     </p:spTree>
     <p:extLst>
       <p:ext uri="{BB962C8B-B14F-4D97-AF65-F5344CB8AC3E}">
-        <p14:creationId xmlns:p14="http://schemas.microsoft.com/office/powerpoint/2010/main" val="3917062348"/>
+        <p14:creationId xmlns:p14="http://schemas.microsoft.com/office/powerpoint/2010/main" val="1775107144"/>
       </p:ext>
     </p:extLst>
   </p:cSld>
@@ -2046,7 +2046,7 @@
           <p:cNvPr id="2" name="日期占位符 1">
             <a:extLst>
               <a:ext uri="{FF2B5EF4-FFF2-40B4-BE49-F238E27FC236}">
-                <a16:creationId xmlns:a16="http://schemas.microsoft.com/office/drawing/2014/main" id="{E5D2429A-05DB-E589-A7A1-2C1DAB93BCC2}"/>
+                <a16:creationId xmlns:a16="http://schemas.microsoft.com/office/drawing/2014/main" id="{5E7EA927-5679-92BA-944B-537B5B5E31CF}"/>
               </a:ext>
             </a:extLst>
           </p:cNvPr>
@@ -2062,7 +2062,7 @@
           <a:bodyPr/>
           <a:lstStyle/>
           <a:p>
-            <a:fld id="{E85FEE02-BDF9-4E2A-8AAC-F68860A6A2BE}" type="datetimeFigureOut">
+            <a:fld id="{7FA21883-A288-4D8F-8C13-DD3C53756D03}" type="datetimeFigureOut">
               <a:rPr lang="zh-CN" altLang="en-US" smtClean="0"/>
               <a:t>2024/3/10</a:t>
             </a:fld>
@@ -2075,7 +2075,7 @@
           <p:cNvPr id="3" name="页脚占位符 2">
             <a:extLst>
               <a:ext uri="{FF2B5EF4-FFF2-40B4-BE49-F238E27FC236}">
-                <a16:creationId xmlns:a16="http://schemas.microsoft.com/office/drawing/2014/main" id="{D003E690-1523-B929-4F45-4AE1F099BCEC}"/>
+                <a16:creationId xmlns:a16="http://schemas.microsoft.com/office/drawing/2014/main" id="{35668AA9-B36A-87E3-1AB5-E00639E83539}"/>
               </a:ext>
             </a:extLst>
           </p:cNvPr>
@@ -2100,7 +2100,7 @@
           <p:cNvPr id="4" name="灯片编号占位符 3">
             <a:extLst>
               <a:ext uri="{FF2B5EF4-FFF2-40B4-BE49-F238E27FC236}">
-                <a16:creationId xmlns:a16="http://schemas.microsoft.com/office/drawing/2014/main" id="{E0A523EC-53BA-91A5-E8FD-CB2768EE2D48}"/>
+                <a16:creationId xmlns:a16="http://schemas.microsoft.com/office/drawing/2014/main" id="{F84D5807-5802-9BC5-FD90-FA1B39CF1119}"/>
               </a:ext>
             </a:extLst>
           </p:cNvPr>
@@ -2116,7 +2116,7 @@
           <a:bodyPr/>
           <a:lstStyle/>
           <a:p>
-            <a:fld id="{B8C9184D-7597-4F0B-9114-06A1A39F47DE}" type="slidenum">
+            <a:fld id="{FBA84E80-C941-4517-B580-E5900B07AAB0}" type="slidenum">
               <a:rPr lang="zh-CN" altLang="en-US" smtClean="0"/>
               <a:t>‹#›</a:t>
             </a:fld>
@@ -2127,7 +2127,7 @@
     </p:spTree>
     <p:extLst>
       <p:ext uri="{BB962C8B-B14F-4D97-AF65-F5344CB8AC3E}">
-        <p14:creationId xmlns:p14="http://schemas.microsoft.com/office/powerpoint/2010/main" val="2508090906"/>
+        <p14:creationId xmlns:p14="http://schemas.microsoft.com/office/powerpoint/2010/main" val="233101709"/>
       </p:ext>
     </p:extLst>
   </p:cSld>
@@ -2159,7 +2159,7 @@
           <p:cNvPr id="2" name="标题 1">
             <a:extLst>
               <a:ext uri="{FF2B5EF4-FFF2-40B4-BE49-F238E27FC236}">
-                <a16:creationId xmlns:a16="http://schemas.microsoft.com/office/drawing/2014/main" id="{D441BFA6-7BB7-695C-F465-266AC2D8657B}"/>
+                <a16:creationId xmlns:a16="http://schemas.microsoft.com/office/drawing/2014/main" id="{97DF9A59-77DA-729D-7102-8A5E9982B023}"/>
               </a:ext>
             </a:extLst>
           </p:cNvPr>
@@ -2196,7 +2196,7 @@
           <p:cNvPr id="3" name="内容占位符 2">
             <a:extLst>
               <a:ext uri="{FF2B5EF4-FFF2-40B4-BE49-F238E27FC236}">
-                <a16:creationId xmlns:a16="http://schemas.microsoft.com/office/drawing/2014/main" id="{E4183EA0-515B-E6B3-C3B1-F92FE18909E6}"/>
+                <a16:creationId xmlns:a16="http://schemas.microsoft.com/office/drawing/2014/main" id="{5B8A0B4F-BAFF-8821-F215-D930C9BEC7FA}"/>
               </a:ext>
             </a:extLst>
           </p:cNvPr>
@@ -2286,7 +2286,7 @@
           <p:cNvPr id="4" name="文本占位符 3">
             <a:extLst>
               <a:ext uri="{FF2B5EF4-FFF2-40B4-BE49-F238E27FC236}">
-                <a16:creationId xmlns:a16="http://schemas.microsoft.com/office/drawing/2014/main" id="{B73C6D68-FB38-B117-CEC7-716AE3BB9513}"/>
+                <a16:creationId xmlns:a16="http://schemas.microsoft.com/office/drawing/2014/main" id="{9017A69A-55E9-5249-3F5C-169085AB1D04}"/>
               </a:ext>
             </a:extLst>
           </p:cNvPr>
@@ -2357,7 +2357,7 @@
           <p:cNvPr id="5" name="日期占位符 4">
             <a:extLst>
               <a:ext uri="{FF2B5EF4-FFF2-40B4-BE49-F238E27FC236}">
-                <a16:creationId xmlns:a16="http://schemas.microsoft.com/office/drawing/2014/main" id="{A2E91389-BEE7-4221-7D12-B3BFE77FD434}"/>
+                <a16:creationId xmlns:a16="http://schemas.microsoft.com/office/drawing/2014/main" id="{014C5622-93B7-DC16-1E73-F843BA5AA75C}"/>
               </a:ext>
             </a:extLst>
           </p:cNvPr>
@@ -2373,7 +2373,7 @@
           <a:bodyPr/>
           <a:lstStyle/>
           <a:p>
-            <a:fld id="{E85FEE02-BDF9-4E2A-8AAC-F68860A6A2BE}" type="datetimeFigureOut">
+            <a:fld id="{7FA21883-A288-4D8F-8C13-DD3C53756D03}" type="datetimeFigureOut">
               <a:rPr lang="zh-CN" altLang="en-US" smtClean="0"/>
               <a:t>2024/3/10</a:t>
             </a:fld>
@@ -2386,7 +2386,7 @@
           <p:cNvPr id="6" name="页脚占位符 5">
             <a:extLst>
               <a:ext uri="{FF2B5EF4-FFF2-40B4-BE49-F238E27FC236}">
-                <a16:creationId xmlns:a16="http://schemas.microsoft.com/office/drawing/2014/main" id="{3E01268C-394D-01FF-F719-16DAF4DCDFFE}"/>
+                <a16:creationId xmlns:a16="http://schemas.microsoft.com/office/drawing/2014/main" id="{D0119F79-BAE5-E96E-2B10-7842074E6D63}"/>
               </a:ext>
             </a:extLst>
           </p:cNvPr>
@@ -2411,7 +2411,7 @@
           <p:cNvPr id="7" name="灯片编号占位符 6">
             <a:extLst>
               <a:ext uri="{FF2B5EF4-FFF2-40B4-BE49-F238E27FC236}">
-                <a16:creationId xmlns:a16="http://schemas.microsoft.com/office/drawing/2014/main" id="{089AE2E2-3A7C-82B9-3A36-E90649909D88}"/>
+                <a16:creationId xmlns:a16="http://schemas.microsoft.com/office/drawing/2014/main" id="{35F62FE5-458E-2633-C67A-4254673E3D2C}"/>
               </a:ext>
             </a:extLst>
           </p:cNvPr>
@@ -2427,7 +2427,7 @@
           <a:bodyPr/>
           <a:lstStyle/>
           <a:p>
-            <a:fld id="{B8C9184D-7597-4F0B-9114-06A1A39F47DE}" type="slidenum">
+            <a:fld id="{FBA84E80-C941-4517-B580-E5900B07AAB0}" type="slidenum">
               <a:rPr lang="zh-CN" altLang="en-US" smtClean="0"/>
               <a:t>‹#›</a:t>
             </a:fld>
@@ -2438,7 +2438,7 @@
     </p:spTree>
     <p:extLst>
       <p:ext uri="{BB962C8B-B14F-4D97-AF65-F5344CB8AC3E}">
-        <p14:creationId xmlns:p14="http://schemas.microsoft.com/office/powerpoint/2010/main" val="3062318183"/>
+        <p14:creationId xmlns:p14="http://schemas.microsoft.com/office/powerpoint/2010/main" val="1061413314"/>
       </p:ext>
     </p:extLst>
   </p:cSld>
@@ -2470,7 +2470,7 @@
           <p:cNvPr id="2" name="标题 1">
             <a:extLst>
               <a:ext uri="{FF2B5EF4-FFF2-40B4-BE49-F238E27FC236}">
-                <a16:creationId xmlns:a16="http://schemas.microsoft.com/office/drawing/2014/main" id="{7A7B88DB-0355-16B7-C1DA-3628A2E45503}"/>
+                <a16:creationId xmlns:a16="http://schemas.microsoft.com/office/drawing/2014/main" id="{E878A552-280F-E6BC-506D-56913E054D8A}"/>
               </a:ext>
             </a:extLst>
           </p:cNvPr>
@@ -2507,7 +2507,7 @@
           <p:cNvPr id="3" name="图片占位符 2">
             <a:extLst>
               <a:ext uri="{FF2B5EF4-FFF2-40B4-BE49-F238E27FC236}">
-                <a16:creationId xmlns:a16="http://schemas.microsoft.com/office/drawing/2014/main" id="{86FF5F96-3CFF-8F5D-CAC9-A55DD3E65FB4}"/>
+                <a16:creationId xmlns:a16="http://schemas.microsoft.com/office/drawing/2014/main" id="{45BCE879-3D84-99FA-81A4-F1F23AFDB505}"/>
               </a:ext>
             </a:extLst>
           </p:cNvPr>
@@ -2574,7 +2574,7 @@
           <p:cNvPr id="4" name="文本占位符 3">
             <a:extLst>
               <a:ext uri="{FF2B5EF4-FFF2-40B4-BE49-F238E27FC236}">
-                <a16:creationId xmlns:a16="http://schemas.microsoft.com/office/drawing/2014/main" id="{2AEF441F-92F0-CF58-F6D3-C440EBFB442C}"/>
+                <a16:creationId xmlns:a16="http://schemas.microsoft.com/office/drawing/2014/main" id="{CBB8EFDF-CFBA-D684-6B77-F82C625CC319}"/>
               </a:ext>
             </a:extLst>
           </p:cNvPr>
@@ -2645,7 +2645,7 @@
           <p:cNvPr id="5" name="日期占位符 4">
             <a:extLst>
               <a:ext uri="{FF2B5EF4-FFF2-40B4-BE49-F238E27FC236}">
-                <a16:creationId xmlns:a16="http://schemas.microsoft.com/office/drawing/2014/main" id="{3D74BBF5-5C1E-3F1A-69B7-C4161394EC42}"/>
+                <a16:creationId xmlns:a16="http://schemas.microsoft.com/office/drawing/2014/main" id="{968062ED-0C56-4DA0-636E-D9715E1A1741}"/>
               </a:ext>
             </a:extLst>
           </p:cNvPr>
@@ -2661,7 +2661,7 @@
           <a:bodyPr/>
           <a:lstStyle/>
           <a:p>
-            <a:fld id="{E85FEE02-BDF9-4E2A-8AAC-F68860A6A2BE}" type="datetimeFigureOut">
+            <a:fld id="{7FA21883-A288-4D8F-8C13-DD3C53756D03}" type="datetimeFigureOut">
               <a:rPr lang="zh-CN" altLang="en-US" smtClean="0"/>
               <a:t>2024/3/10</a:t>
             </a:fld>
@@ -2674,7 +2674,7 @@
           <p:cNvPr id="6" name="页脚占位符 5">
             <a:extLst>
               <a:ext uri="{FF2B5EF4-FFF2-40B4-BE49-F238E27FC236}">
-                <a16:creationId xmlns:a16="http://schemas.microsoft.com/office/drawing/2014/main" id="{0ACE9392-104F-A908-CC09-22B8ACB60C45}"/>
+                <a16:creationId xmlns:a16="http://schemas.microsoft.com/office/drawing/2014/main" id="{DBFB3952-4B81-AB88-2918-EA4E7903C17F}"/>
               </a:ext>
             </a:extLst>
           </p:cNvPr>
@@ -2699,7 +2699,7 @@
           <p:cNvPr id="7" name="灯片编号占位符 6">
             <a:extLst>
               <a:ext uri="{FF2B5EF4-FFF2-40B4-BE49-F238E27FC236}">
-                <a16:creationId xmlns:a16="http://schemas.microsoft.com/office/drawing/2014/main" id="{B6E00046-3B55-D801-89B8-02D3B8E5F91D}"/>
+                <a16:creationId xmlns:a16="http://schemas.microsoft.com/office/drawing/2014/main" id="{29D5CB4E-75D5-CDA8-19D9-CE6DE53CB3D4}"/>
               </a:ext>
             </a:extLst>
           </p:cNvPr>
@@ -2715,7 +2715,7 @@
           <a:bodyPr/>
           <a:lstStyle/>
           <a:p>
-            <a:fld id="{B8C9184D-7597-4F0B-9114-06A1A39F47DE}" type="slidenum">
+            <a:fld id="{FBA84E80-C941-4517-B580-E5900B07AAB0}" type="slidenum">
               <a:rPr lang="zh-CN" altLang="en-US" smtClean="0"/>
               <a:t>‹#›</a:t>
             </a:fld>
@@ -2726,7 +2726,7 @@
     </p:spTree>
     <p:extLst>
       <p:ext uri="{BB962C8B-B14F-4D97-AF65-F5344CB8AC3E}">
-        <p14:creationId xmlns:p14="http://schemas.microsoft.com/office/powerpoint/2010/main" val="38156386"/>
+        <p14:creationId xmlns:p14="http://schemas.microsoft.com/office/powerpoint/2010/main" val="2566049723"/>
       </p:ext>
     </p:extLst>
   </p:cSld>
@@ -2763,7 +2763,7 @@
           <p:cNvPr id="2" name="标题占位符 1">
             <a:extLst>
               <a:ext uri="{FF2B5EF4-FFF2-40B4-BE49-F238E27FC236}">
-                <a16:creationId xmlns:a16="http://schemas.microsoft.com/office/drawing/2014/main" id="{893654BE-55C5-1A50-70C5-45A54AFC86E7}"/>
+                <a16:creationId xmlns:a16="http://schemas.microsoft.com/office/drawing/2014/main" id="{C11DFAB0-5615-7B98-6807-8CF8C4EF31BC}"/>
               </a:ext>
             </a:extLst>
           </p:cNvPr>
@@ -2801,7 +2801,7 @@
           <p:cNvPr id="3" name="文本占位符 2">
             <a:extLst>
               <a:ext uri="{FF2B5EF4-FFF2-40B4-BE49-F238E27FC236}">
-                <a16:creationId xmlns:a16="http://schemas.microsoft.com/office/drawing/2014/main" id="{D627DDDB-6AA1-4976-AD1F-C51D4A57F0A0}"/>
+                <a16:creationId xmlns:a16="http://schemas.microsoft.com/office/drawing/2014/main" id="{C40477CB-8A80-F9AD-2526-E00208BA8A68}"/>
               </a:ext>
             </a:extLst>
           </p:cNvPr>
@@ -2868,7 +2868,7 @@
           <p:cNvPr id="4" name="日期占位符 3">
             <a:extLst>
               <a:ext uri="{FF2B5EF4-FFF2-40B4-BE49-F238E27FC236}">
-                <a16:creationId xmlns:a16="http://schemas.microsoft.com/office/drawing/2014/main" id="{45473A55-8058-BCC7-1800-A675F5164172}"/>
+                <a16:creationId xmlns:a16="http://schemas.microsoft.com/office/drawing/2014/main" id="{599D9366-6724-6BBE-B503-11B80F7750BB}"/>
               </a:ext>
             </a:extLst>
           </p:cNvPr>
@@ -2902,7 +2902,7 @@
             </a:lvl1pPr>
           </a:lstStyle>
           <a:p>
-            <a:fld id="{E85FEE02-BDF9-4E2A-8AAC-F68860A6A2BE}" type="datetimeFigureOut">
+            <a:fld id="{7FA21883-A288-4D8F-8C13-DD3C53756D03}" type="datetimeFigureOut">
               <a:rPr lang="zh-CN" altLang="en-US" smtClean="0"/>
               <a:t>2024/3/10</a:t>
             </a:fld>
@@ -2915,7 +2915,7 @@
           <p:cNvPr id="5" name="页脚占位符 4">
             <a:extLst>
               <a:ext uri="{FF2B5EF4-FFF2-40B4-BE49-F238E27FC236}">
-                <a16:creationId xmlns:a16="http://schemas.microsoft.com/office/drawing/2014/main" id="{F5693636-2049-D323-901B-C98B3CDDF092}"/>
+                <a16:creationId xmlns:a16="http://schemas.microsoft.com/office/drawing/2014/main" id="{14655063-04BE-DF34-8EFB-F10760599E08}"/>
               </a:ext>
             </a:extLst>
           </p:cNvPr>
@@ -2958,7 +2958,7 @@
           <p:cNvPr id="6" name="灯片编号占位符 5">
             <a:extLst>
               <a:ext uri="{FF2B5EF4-FFF2-40B4-BE49-F238E27FC236}">
-                <a16:creationId xmlns:a16="http://schemas.microsoft.com/office/drawing/2014/main" id="{A0587265-AF65-A74E-EB9F-444493D91019}"/>
+                <a16:creationId xmlns:a16="http://schemas.microsoft.com/office/drawing/2014/main" id="{81CA6F15-3694-2D70-59E2-AA240D4A920C}"/>
               </a:ext>
             </a:extLst>
           </p:cNvPr>
@@ -2992,7 +2992,7 @@
             </a:lvl1pPr>
           </a:lstStyle>
           <a:p>
-            <a:fld id="{B8C9184D-7597-4F0B-9114-06A1A39F47DE}" type="slidenum">
+            <a:fld id="{FBA84E80-C941-4517-B580-E5900B07AAB0}" type="slidenum">
               <a:rPr lang="zh-CN" altLang="en-US" smtClean="0"/>
               <a:t>‹#›</a:t>
             </a:fld>
@@ -3003,7 +3003,7 @@
     </p:spTree>
     <p:extLst>
       <p:ext uri="{BB962C8B-B14F-4D97-AF65-F5344CB8AC3E}">
-        <p14:creationId xmlns:p14="http://schemas.microsoft.com/office/powerpoint/2010/main" val="2497387945"/>
+        <p14:creationId xmlns:p14="http://schemas.microsoft.com/office/powerpoint/2010/main" val="416633813"/>
       </p:ext>
     </p:extLst>
   </p:cSld>
@@ -3323,7 +3323,7 @@
       </p:grpSpPr>
       <p:pic>
         <p:nvPicPr>
-          <p:cNvPr id="184322" name="Picture 2" descr="179"/>
+          <p:cNvPr id="185346" name="Picture 2" descr="180"/>
           <p:cNvPicPr>
             <a:picLocks noChangeAspect="1" noChangeArrowheads="1"/>
           </p:cNvPicPr>
@@ -3345,7 +3345,7 @@
         <p:spPr bwMode="auto">
           <a:xfrm>
             <a:off x="1524000" y="0"/>
-            <a:ext cx="9144000" cy="4724400"/>
+            <a:ext cx="9144000" cy="6858000"/>
           </a:xfrm>
           <a:prstGeom prst="rect">
             <a:avLst/>
@@ -3375,11 +3375,158 @@
           </a:extLst>
         </p:spPr>
       </p:pic>
+      <p:pic>
+        <p:nvPicPr>
+          <p:cNvPr id="186371" name="Picture 3" descr="180-2"/>
+          <p:cNvPicPr>
+            <a:picLocks noChangeAspect="1" noChangeArrowheads="1"/>
+          </p:cNvPicPr>
+          <p:nvPr/>
+        </p:nvPicPr>
+        <p:blipFill>
+          <a:blip r:embed="rId3">
+            <a:extLst>
+              <a:ext uri="{28A0092B-C50C-407E-A947-70E740481C1C}">
+                <a14:useLocalDpi xmlns:a14="http://schemas.microsoft.com/office/drawing/2010/main" val="0"/>
+              </a:ext>
+            </a:extLst>
+          </a:blip>
+          <a:srcRect/>
+          <a:stretch>
+            <a:fillRect/>
+          </a:stretch>
+        </p:blipFill>
+        <p:spPr bwMode="auto">
+          <a:xfrm>
+            <a:off x="1524000" y="0"/>
+            <a:ext cx="9144000" cy="6859588"/>
+          </a:xfrm>
+          <a:prstGeom prst="rect">
+            <a:avLst/>
+          </a:prstGeom>
+          <a:noFill/>
+          <a:ln>
+            <a:noFill/>
+          </a:ln>
+          <a:effectLst/>
+          <a:extLst>
+            <a:ext uri="{909E8E84-426E-40DD-AFC4-6F175D3DCCD1}">
+              <a14:hiddenFill xmlns:a14="http://schemas.microsoft.com/office/drawing/2010/main">
+                <a:solidFill>
+                  <a:srgbClr val="FFFFFF"/>
+                </a:solidFill>
+              </a14:hiddenFill>
+            </a:ext>
+            <a:ext uri="{91240B29-F687-4F45-9708-019B960494DF}">
+              <a14:hiddenLine xmlns:a14="http://schemas.microsoft.com/office/drawing/2010/main" w="9525">
+                <a:solidFill>
+                  <a:srgbClr val="000000"/>
+                </a:solidFill>
+                <a:miter lim="800000"/>
+                <a:headEnd/>
+                <a:tailEnd/>
+              </a14:hiddenLine>
+            </a:ext>
+            <a:ext uri="{AF507438-7753-43E0-B8FC-AC1667EBCBE1}">
+              <a14:hiddenEffects xmlns:a14="http://schemas.microsoft.com/office/drawing/2010/main">
+                <a:effectLst>
+                  <a:outerShdw dist="35921" dir="2700000" algn="ctr" rotWithShape="0">
+                    <a:srgbClr val="808080"/>
+                  </a:outerShdw>
+                </a:effectLst>
+              </a14:hiddenEffects>
+            </a:ext>
+          </a:extLst>
+        </p:spPr>
+      </p:pic>
     </p:spTree>
   </p:cSld>
   <p:clrMapOvr>
     <a:masterClrMapping/>
   </p:clrMapOvr>
+  <p:timing>
+    <p:tnLst>
+      <p:par>
+        <p:cTn id="1" dur="indefinite" restart="never" nodeType="tmRoot">
+          <p:childTnLst>
+            <p:seq concurrent="1" nextAc="seek">
+              <p:cTn id="2" dur="indefinite" nodeType="mainSeq">
+                <p:childTnLst>
+                  <p:par>
+                    <p:cTn id="3" fill="hold" nodeType="clickPar">
+                      <p:stCondLst>
+                        <p:cond delay="indefinite"/>
+                      </p:stCondLst>
+                      <p:childTnLst>
+                        <p:par>
+                          <p:cTn id="4" fill="hold" nodeType="withGroup">
+                            <p:stCondLst>
+                              <p:cond delay="0"/>
+                            </p:stCondLst>
+                            <p:childTnLst>
+                              <p:par>
+                                <p:cTn id="5" presetID="10" presetClass="entr" presetSubtype="0" fill="hold" nodeType="clickEffect">
+                                  <p:stCondLst>
+                                    <p:cond delay="0"/>
+                                  </p:stCondLst>
+                                  <p:childTnLst>
+                                    <p:set>
+                                      <p:cBhvr>
+                                        <p:cTn id="6" dur="1" fill="hold">
+                                          <p:stCondLst>
+                                            <p:cond delay="0"/>
+                                          </p:stCondLst>
+                                        </p:cTn>
+                                        <p:tgtEl>
+                                          <p:spTgt spid="186371"/>
+                                        </p:tgtEl>
+                                        <p:attrNameLst>
+                                          <p:attrName>style.visibility</p:attrName>
+                                        </p:attrNameLst>
+                                      </p:cBhvr>
+                                      <p:to>
+                                        <p:strVal val="visible"/>
+                                      </p:to>
+                                    </p:set>
+                                    <p:animEffect transition="in" filter="fade">
+                                      <p:cBhvr>
+                                        <p:cTn id="7" dur="500"/>
+                                        <p:tgtEl>
+                                          <p:spTgt spid="186371"/>
+                                        </p:tgtEl>
+                                      </p:cBhvr>
+                                    </p:animEffect>
+                                  </p:childTnLst>
+                                </p:cTn>
+                              </p:par>
+                            </p:childTnLst>
+                          </p:cTn>
+                        </p:par>
+                      </p:childTnLst>
+                    </p:cTn>
+                  </p:par>
+                </p:childTnLst>
+              </p:cTn>
+              <p:prevCondLst>
+                <p:cond evt="onPrev" delay="0">
+                  <p:tgtEl>
+                    <p:sldTgt/>
+                  </p:tgtEl>
+                </p:cond>
+              </p:prevCondLst>
+              <p:nextCondLst>
+                <p:cond evt="onNext" delay="0">
+                  <p:tgtEl>
+                    <p:sldTgt/>
+                  </p:tgtEl>
+                </p:cond>
+              </p:nextCondLst>
+            </p:seq>
+          </p:childTnLst>
+        </p:cTn>
+      </p:par>
+    </p:tnLst>
+  </p:timing>
 </p:sld>
 </file>
 
